--- a/Veda Lectures/Veda VMS Introduction.pptx
+++ b/Veda Lectures/Veda VMS Introduction.pptx
@@ -251,7 +251,7 @@
             <a:fld id="{B61BEF0D-F0BB-DE4B-95CE-6DB70DBA9567}" type="datetimeFigureOut">
               <a:rPr lang="en-US" smtClean="0"/>
               <a:pPr/>
-              <a:t>2/29/2020</a:t>
+              <a:t>1/26/2021</a:t>
             </a:fld>
             <a:endParaRPr lang="en-US" dirty="0"/>
           </a:p>
@@ -422,7 +422,7 @@
           <a:p>
             <a:fld id="{55C6B4A9-1611-4792-9094-5F34BCA07E0B}" type="datetimeFigureOut">
               <a:rPr lang="en-US" smtClean="0"/>
-              <a:t>2/29/2020</a:t>
+              <a:t>1/26/2021</a:t>
             </a:fld>
             <a:endParaRPr lang="en-US" dirty="0"/>
           </a:p>
@@ -603,7 +603,7 @@
             <a:fld id="{B61BEF0D-F0BB-DE4B-95CE-6DB70DBA9567}" type="datetimeFigureOut">
               <a:rPr lang="en-US" smtClean="0"/>
               <a:pPr/>
-              <a:t>2/29/2020</a:t>
+              <a:t>1/26/2021</a:t>
             </a:fld>
             <a:endParaRPr lang="en-US" dirty="0"/>
           </a:p>
@@ -774,7 +774,7 @@
           <a:p>
             <a:fld id="{42A54C80-263E-416B-A8E0-580EDEADCBDC}" type="datetimeFigureOut">
               <a:rPr lang="en-US" smtClean="0"/>
-              <a:t>2/29/2020</a:t>
+              <a:t>1/26/2021</a:t>
             </a:fld>
             <a:endParaRPr lang="en-US" dirty="0"/>
           </a:p>
@@ -1021,7 +1021,7 @@
             <a:fld id="{B61BEF0D-F0BB-DE4B-95CE-6DB70DBA9567}" type="datetimeFigureOut">
               <a:rPr lang="en-US" smtClean="0"/>
               <a:pPr/>
-              <a:t>2/29/2020</a:t>
+              <a:t>1/26/2021</a:t>
             </a:fld>
             <a:endParaRPr lang="en-US" dirty="0"/>
           </a:p>
@@ -1254,7 +1254,7 @@
           <a:p>
             <a:fld id="{42A54C80-263E-416B-A8E0-580EDEADCBDC}" type="datetimeFigureOut">
               <a:rPr lang="en-US" smtClean="0"/>
-              <a:t>2/29/2020</a:t>
+              <a:t>1/26/2021</a:t>
             </a:fld>
             <a:endParaRPr lang="en-US" dirty="0"/>
           </a:p>
@@ -1622,7 +1622,7 @@
             <a:fld id="{B61BEF0D-F0BB-DE4B-95CE-6DB70DBA9567}" type="datetimeFigureOut">
               <a:rPr lang="en-US" smtClean="0"/>
               <a:pPr/>
-              <a:t>2/29/2020</a:t>
+              <a:t>1/26/2021</a:t>
             </a:fld>
             <a:endParaRPr lang="en-US" dirty="0"/>
           </a:p>
@@ -1742,7 +1742,7 @@
             <a:fld id="{B61BEF0D-F0BB-DE4B-95CE-6DB70DBA9567}" type="datetimeFigureOut">
               <a:rPr lang="en-US" smtClean="0"/>
               <a:pPr/>
-              <a:t>2/29/2020</a:t>
+              <a:t>1/26/2021</a:t>
             </a:fld>
             <a:endParaRPr lang="en-US" dirty="0"/>
           </a:p>
@@ -1839,7 +1839,7 @@
             <a:fld id="{B61BEF0D-F0BB-DE4B-95CE-6DB70DBA9567}" type="datetimeFigureOut">
               <a:rPr lang="en-US" smtClean="0"/>
               <a:pPr/>
-              <a:t>2/29/2020</a:t>
+              <a:t>1/26/2021</a:t>
             </a:fld>
             <a:endParaRPr lang="en-US" dirty="0"/>
           </a:p>
@@ -2117,7 +2117,7 @@
           <a:p>
             <a:fld id="{42A54C80-263E-416B-A8E0-580EDEADCBDC}" type="datetimeFigureOut">
               <a:rPr lang="en-US" smtClean="0"/>
-              <a:t>2/29/2020</a:t>
+              <a:t>1/26/2021</a:t>
             </a:fld>
             <a:endParaRPr lang="en-US" dirty="0"/>
           </a:p>
@@ -2371,7 +2371,7 @@
             <a:fld id="{B61BEF0D-F0BB-DE4B-95CE-6DB70DBA9567}" type="datetimeFigureOut">
               <a:rPr lang="en-US" smtClean="0"/>
               <a:pPr/>
-              <a:t>2/29/2020</a:t>
+              <a:t>1/26/2021</a:t>
             </a:fld>
             <a:endParaRPr lang="en-US" dirty="0"/>
           </a:p>
@@ -2586,7 +2586,7 @@
             <a:fld id="{B61BEF0D-F0BB-DE4B-95CE-6DB70DBA9567}" type="datetimeFigureOut">
               <a:rPr lang="en-US" smtClean="0"/>
               <a:pPr/>
-              <a:t>2/29/2020</a:t>
+              <a:t>1/26/2021</a:t>
             </a:fld>
             <a:endParaRPr lang="en-US" dirty="0"/>
           </a:p>
@@ -3002,7 +3002,12 @@
             <p:ph type="ctrTitle"/>
           </p:nvPr>
         </p:nvSpPr>
-        <p:spPr/>
+        <p:spPr>
+          <a:xfrm>
+            <a:off x="1524000" y="1122363"/>
+            <a:ext cx="9144000" cy="1257980"/>
+          </a:xfrm>
+        </p:spPr>
         <p:txBody>
           <a:bodyPr/>
           <a:lstStyle/>
@@ -3029,44 +3034,70 @@
             <p:ph type="subTitle" idx="1"/>
           </p:nvPr>
         </p:nvSpPr>
-        <p:spPr/>
-        <p:txBody>
-          <a:bodyPr/>
-          <a:lstStyle/>
-          <a:p>
-            <a:r>
-              <a:rPr lang="en-US" b="1" dirty="0" smtClean="0">
+        <p:spPr>
+          <a:xfrm>
+            <a:off x="566057" y="3602038"/>
+            <a:ext cx="11059886" cy="2581048"/>
+          </a:xfrm>
+        </p:spPr>
+        <p:txBody>
+          <a:bodyPr>
+            <a:normAutofit/>
+          </a:bodyPr>
+          <a:lstStyle/>
+          <a:p>
+            <a:r>
+              <a:rPr lang="en-US" sz="3000" b="1" dirty="0" smtClean="0">
                 <a:solidFill>
                   <a:schemeClr val="tx1">
                     <a:lumMod val="95000"/>
                     <a:lumOff val="5000"/>
                   </a:schemeClr>
                 </a:solidFill>
+                <a:latin typeface="Arial" panose="020B0604020202020204" pitchFamily="34" charset="0"/>
+                <a:cs typeface="Arial" panose="020B0604020202020204" pitchFamily="34" charset="0"/>
               </a:rPr>
               <a:t>Where the mind is without fear the head is held high….</a:t>
             </a:r>
           </a:p>
           <a:p>
             <a:r>
-              <a:rPr lang="en-US" b="1" dirty="0" smtClean="0">
+              <a:rPr lang="en-US" sz="3000" b="1" dirty="0" smtClean="0">
                 <a:solidFill>
                   <a:schemeClr val="tx1">
                     <a:lumMod val="95000"/>
                     <a:lumOff val="5000"/>
                   </a:schemeClr>
                 </a:solidFill>
+                <a:latin typeface="Arial" panose="020B0604020202020204" pitchFamily="34" charset="0"/>
+                <a:cs typeface="Arial" panose="020B0604020202020204" pitchFamily="34" charset="0"/>
               </a:rPr>
               <a:t>Where knowledge is free – Rabindranath Tagore</a:t>
             </a:r>
           </a:p>
           <a:p>
-            <a:r>
-              <a:rPr lang="en-US" sz="3600" b="1" dirty="0" smtClean="0"/>
+            <a:endParaRPr lang="en-US" sz="3000" b="1" dirty="0" smtClean="0">
+              <a:solidFill>
+                <a:schemeClr val="tx1">
+                  <a:lumMod val="95000"/>
+                  <a:lumOff val="5000"/>
+                </a:schemeClr>
+              </a:solidFill>
+              <a:latin typeface="Arial" panose="020B0604020202020204" pitchFamily="34" charset="0"/>
+              <a:cs typeface="Arial" panose="020B0604020202020204" pitchFamily="34" charset="0"/>
+            </a:endParaRPr>
+          </a:p>
+          <a:p>
+            <a:r>
+              <a:rPr lang="en-US" sz="4000" b="1" dirty="0" smtClean="0">
+                <a:latin typeface="Arial" panose="020B0604020202020204" pitchFamily="34" charset="0"/>
+                <a:cs typeface="Arial" panose="020B0604020202020204" pitchFamily="34" charset="0"/>
+              </a:rPr>
               <a:t>No Sage ever patented any revelations</a:t>
             </a:r>
             <a:r>
               <a:rPr lang="en-US" sz="3600" dirty="0" smtClean="0"/>
-              <a:t> </a:t>
+              <a:t> !!</a:t>
             </a:r>
             <a:endParaRPr lang="en-US" sz="3600" dirty="0"/>
           </a:p>
@@ -3188,7 +3219,7 @@
             <a:pPr lvl="1"/>
             <a:r>
               <a:rPr lang="en-US" b="1" dirty="0" smtClean="0"/>
-              <a:t>A Virtual Group formed in 2014</a:t>
+              <a:t>A Virtual Group formed in 2014/15</a:t>
             </a:r>
           </a:p>
           <a:p>
@@ -3381,15 +3412,7 @@
           <a:p>
             <a:r>
               <a:rPr lang="en-US" b="1" dirty="0"/>
-              <a:t>Then </a:t>
-            </a:r>
-            <a:r>
-              <a:rPr lang="en-US" b="1" dirty="0" err="1"/>
-              <a:t>SamhitA</a:t>
-            </a:r>
-            <a:r>
-              <a:rPr lang="en-US" b="1" dirty="0"/>
-              <a:t>, </a:t>
+              <a:t>Then SamhitA, </a:t>
             </a:r>
             <a:r>
               <a:rPr lang="en-US" b="1" dirty="0" err="1"/>
@@ -3420,15 +3443,7 @@
             </a:r>
             <a:r>
               <a:rPr lang="en-US" b="1" dirty="0"/>
-              <a:t> </a:t>
-            </a:r>
-            <a:r>
-              <a:rPr lang="en-US" b="1" dirty="0" err="1"/>
-              <a:t>Paatam</a:t>
-            </a:r>
-            <a:r>
-              <a:rPr lang="en-US" b="1" dirty="0"/>
-              <a:t> and </a:t>
+              <a:t> Paatam and </a:t>
             </a:r>
             <a:r>
               <a:rPr lang="en-US" b="1" dirty="0" err="1"/>
@@ -3439,10 +3454,9 @@
               <a:t> </a:t>
             </a:r>
             <a:r>
-              <a:rPr lang="en-US" b="1" dirty="0" err="1" smtClean="0"/>
+              <a:rPr lang="en-US" b="1" dirty="0" smtClean="0"/>
               <a:t>Paatam</a:t>
             </a:r>
-            <a:endParaRPr lang="en-US" b="1" dirty="0" smtClean="0"/>
           </a:p>
           <a:p>
             <a:r>
@@ -3752,8 +3766,8 @@
         </p:nvSpPr>
         <p:spPr>
           <a:xfrm>
-            <a:off x="838200" y="365125"/>
-            <a:ext cx="10747612" cy="1325563"/>
+            <a:off x="867228" y="1"/>
+            <a:ext cx="10178143" cy="1103086"/>
           </a:xfrm>
         </p:spPr>
         <p:txBody>
@@ -3762,7 +3776,7 @@
           <a:p>
             <a:r>
               <a:rPr lang="en-US" b="1" dirty="0" smtClean="0"/>
-              <a:t>Our Goal/Dream</a:t>
+              <a:t>Our Goal/Dream/Objective</a:t>
             </a:r>
             <a:endParaRPr lang="en-US" b="1" dirty="0"/>
           </a:p>
@@ -3778,7 +3792,12 @@
             <p:ph idx="1"/>
           </p:nvPr>
         </p:nvSpPr>
-        <p:spPr/>
+        <p:spPr>
+          <a:xfrm>
+            <a:off x="711199" y="1567542"/>
+            <a:ext cx="10842171" cy="5138057"/>
+          </a:xfrm>
+        </p:spPr>
         <p:txBody>
           <a:bodyPr>
             <a:normAutofit lnSpcReduction="10000"/>
@@ -3795,32 +3814,21 @@
             </a:r>
             <a:r>
               <a:rPr lang="en-US" b="1" dirty="0" smtClean="0"/>
-              <a:t> and Ghana </a:t>
-            </a:r>
-            <a:r>
-              <a:rPr lang="en-US" b="1" dirty="0" err="1" smtClean="0"/>
-              <a:t>Paatam</a:t>
-            </a:r>
-            <a:r>
-              <a:rPr lang="en-US" b="1" dirty="0" smtClean="0"/>
-              <a:t> books for </a:t>
+              <a:t> and Ghana Paatam books for </a:t>
             </a:r>
             <a:br>
               <a:rPr lang="en-US" b="1" dirty="0" smtClean="0"/>
             </a:br>
             <a:r>
-              <a:rPr lang="en-US" b="1" dirty="0" err="1" smtClean="0"/>
-              <a:t>TaittirIya</a:t>
-            </a:r>
-            <a:r>
-              <a:rPr lang="en-US" b="1" dirty="0" smtClean="0"/>
-              <a:t> </a:t>
-            </a:r>
-            <a:r>
-              <a:rPr lang="en-US" b="1" dirty="0" err="1" smtClean="0"/>
-              <a:t>SamhitA</a:t>
-            </a:r>
-            <a:endParaRPr lang="en-US" b="1" dirty="0" smtClean="0"/>
+              <a:rPr lang="en-US" b="1" dirty="0" smtClean="0"/>
+              <a:t>TaittirIya SamhitA</a:t>
+            </a:r>
+          </a:p>
+          <a:p>
+            <a:r>
+              <a:rPr lang="en-US" b="1" dirty="0" smtClean="0"/>
+              <a:t>Compilations on SikShA, prAtiSakyam etc.</a:t>
+            </a:r>
           </a:p>
           <a:p>
             <a:pPr lvl="1"/>
@@ -3841,15 +3849,7 @@
             </a:r>
             <a:r>
               <a:rPr lang="en-US" b="1" dirty="0" smtClean="0"/>
-              <a:t> and Ghana </a:t>
-            </a:r>
-            <a:r>
-              <a:rPr lang="en-US" b="1" dirty="0" err="1" smtClean="0"/>
-              <a:t>Paatam</a:t>
-            </a:r>
-            <a:r>
-              <a:rPr lang="en-US" b="1" dirty="0" smtClean="0"/>
-              <a:t> has started</a:t>
+              <a:t> and Ghana Paatam has started</a:t>
             </a:r>
           </a:p>
           <a:p>
@@ -3898,22 +3898,9 @@
           </a:p>
           <a:p>
             <a:r>
-              <a:rPr lang="en-US" b="1" dirty="0" err="1" smtClean="0"/>
-              <a:t>facebook</a:t>
-            </a:r>
-            <a:r>
-              <a:rPr lang="en-US" b="1" dirty="0"/>
-              <a:t> </a:t>
-            </a:r>
-            <a:r>
-              <a:rPr lang="en-US" b="1" dirty="0" smtClean="0"/>
-              <a:t>page and private group : </a:t>
-            </a:r>
-            <a:r>
-              <a:rPr lang="en-US" b="1" dirty="0" err="1" smtClean="0"/>
-              <a:t>vedavms</a:t>
-            </a:r>
-            <a:endParaRPr lang="en-US" b="1" dirty="0" smtClean="0"/>
+              <a:rPr lang="en-US" b="1" dirty="0" smtClean="0"/>
+              <a:t>Facebook page: vedavms</a:t>
+            </a:r>
           </a:p>
           <a:p>
             <a:r>
@@ -4031,17 +4018,16 @@
             </a:r>
           </a:p>
           <a:p>
-            <a:r>
-              <a:rPr lang="en-US" b="1" dirty="0" smtClean="0"/>
-              <a:t>We don’t Print and </a:t>
-            </a:r>
-            <a:r>
-              <a:rPr lang="en-US" b="1" dirty="0" err="1" smtClean="0"/>
-              <a:t>Despatch</a:t>
-            </a:r>
-            <a:r>
-              <a:rPr lang="en-US" b="1" dirty="0" smtClean="0"/>
-              <a:t> books</a:t>
+            <a:pPr lvl="2"/>
+            <a:r>
+              <a:rPr lang="en-US" b="1" dirty="0" smtClean="0"/>
+              <a:t>We are not in business…request for diversification</a:t>
+            </a:r>
+          </a:p>
+          <a:p>
+            <a:r>
+              <a:rPr lang="en-US" b="1" dirty="0" smtClean="0"/>
+              <a:t>We don’t Print and Despatch books</a:t>
             </a:r>
           </a:p>
           <a:p>
@@ -4067,13 +4053,8 @@
           <a:p>
             <a:r>
               <a:rPr lang="en-US" b="1" dirty="0"/>
-              <a:t>We are not knowledgeable on Karma </a:t>
-            </a:r>
-            <a:r>
-              <a:rPr lang="en-US" b="1" dirty="0" err="1"/>
-              <a:t>Kandas</a:t>
-            </a:r>
-            <a:endParaRPr lang="en-US" b="1" dirty="0"/>
+              <a:t>We are not knowledgeable on Karma Kandas</a:t>
+            </a:r>
           </a:p>
           <a:p>
             <a:pPr lvl="1"/>
@@ -4085,7 +4066,15 @@
           <a:p>
             <a:r>
               <a:rPr lang="en-US" b="1" dirty="0"/>
-              <a:t>We will complement your sincere efforts</a:t>
+              <a:t>We will </a:t>
+            </a:r>
+            <a:r>
+              <a:rPr lang="en-US" b="1" dirty="0" smtClean="0"/>
+              <a:t>compliment </a:t>
+            </a:r>
+            <a:r>
+              <a:rPr lang="en-US" b="1" dirty="0"/>
+              <a:t>your sincere efforts</a:t>
             </a:r>
           </a:p>
           <a:p>
@@ -4218,13 +4207,8 @@
           <a:p>
             <a:r>
               <a:rPr lang="en-US" b="1" dirty="0" smtClean="0"/>
-              <a:t>We do not want to be on </a:t>
-            </a:r>
-            <a:r>
-              <a:rPr lang="en-US" b="1" dirty="0" err="1" smtClean="0"/>
-              <a:t>Whatsapp</a:t>
-            </a:r>
-            <a:endParaRPr lang="en-US" b="1" dirty="0" smtClean="0"/>
+              <a:t>We do not want to be on Whatsapp</a:t>
+            </a:r>
           </a:p>
           <a:p>
             <a:pPr lvl="1"/>
@@ -4389,13 +4373,28 @@
         </p:spPr>
         <p:txBody>
           <a:bodyPr>
-            <a:normAutofit fontScale="92500" lnSpcReduction="10000"/>
+            <a:normAutofit fontScale="92500" lnSpcReduction="20000"/>
           </a:bodyPr>
           <a:lstStyle/>
           <a:p>
             <a:r>
               <a:rPr lang="en-US" b="1" dirty="0" smtClean="0"/>
               <a:t>Gurus who encouraged us to take this task</a:t>
+            </a:r>
+          </a:p>
+          <a:p>
+            <a:pPr lvl="1"/>
+            <a:r>
+              <a:rPr lang="en-US" b="1" dirty="0" smtClean="0"/>
+              <a:t>Shri </a:t>
+            </a:r>
+            <a:r>
+              <a:rPr lang="en-US" b="1" dirty="0" err="1" smtClean="0"/>
+              <a:t>Ganapathy</a:t>
+            </a:r>
+            <a:r>
+              <a:rPr lang="en-US" b="1" dirty="0" smtClean="0"/>
+              <a:t> and Shri Subramania Gurus</a:t>
             </a:r>
           </a:p>
           <a:p>
